--- a/report/drafting/8_15_2025/Figures/Model_3_4_implied_storage.pptx
+++ b/report/drafting/8_15_2025/Figures/Model_3_4_implied_storage.pptx
@@ -104,6 +104,11 @@
       </a:defRPr>
     </a:lvl9pPr>
   </p:defaultTextStyle>
+  <p:extLst>
+    <p:ext uri="{EFAFB233-063F-42B5-8137-9DF3F51BA10A}">
+      <p15:sldGuideLst xmlns:p15="http://schemas.microsoft.com/office/powerpoint/2012/main"/>
+    </p:ext>
+  </p:extLst>
 </p:presentation>
 </file>
 
@@ -254,7 +259,7 @@
           <a:p>
             <a:fld id="{94EB180C-17CA-4F38-87B2-8ECCBE335562}" type="datetimeFigureOut">
               <a:rPr lang="en-US" smtClean="0"/>
-              <a:t>4/4/2024</a:t>
+              <a:t>8/18/2025</a:t>
             </a:fld>
             <a:endParaRPr lang="en-US"/>
           </a:p>
@@ -452,7 +457,7 @@
           <a:p>
             <a:fld id="{94EB180C-17CA-4F38-87B2-8ECCBE335562}" type="datetimeFigureOut">
               <a:rPr lang="en-US" smtClean="0"/>
-              <a:t>4/4/2024</a:t>
+              <a:t>8/18/2025</a:t>
             </a:fld>
             <a:endParaRPr lang="en-US"/>
           </a:p>
@@ -660,7 +665,7 @@
           <a:p>
             <a:fld id="{94EB180C-17CA-4F38-87B2-8ECCBE335562}" type="datetimeFigureOut">
               <a:rPr lang="en-US" smtClean="0"/>
-              <a:t>4/4/2024</a:t>
+              <a:t>8/18/2025</a:t>
             </a:fld>
             <a:endParaRPr lang="en-US"/>
           </a:p>
@@ -858,7 +863,7 @@
           <a:p>
             <a:fld id="{94EB180C-17CA-4F38-87B2-8ECCBE335562}" type="datetimeFigureOut">
               <a:rPr lang="en-US" smtClean="0"/>
-              <a:t>4/4/2024</a:t>
+              <a:t>8/18/2025</a:t>
             </a:fld>
             <a:endParaRPr lang="en-US"/>
           </a:p>
@@ -1133,7 +1138,7 @@
           <a:p>
             <a:fld id="{94EB180C-17CA-4F38-87B2-8ECCBE335562}" type="datetimeFigureOut">
               <a:rPr lang="en-US" smtClean="0"/>
-              <a:t>4/4/2024</a:t>
+              <a:t>8/18/2025</a:t>
             </a:fld>
             <a:endParaRPr lang="en-US"/>
           </a:p>
@@ -1398,7 +1403,7 @@
           <a:p>
             <a:fld id="{94EB180C-17CA-4F38-87B2-8ECCBE335562}" type="datetimeFigureOut">
               <a:rPr lang="en-US" smtClean="0"/>
-              <a:t>4/4/2024</a:t>
+              <a:t>8/18/2025</a:t>
             </a:fld>
             <a:endParaRPr lang="en-US"/>
           </a:p>
@@ -1810,7 +1815,7 @@
           <a:p>
             <a:fld id="{94EB180C-17CA-4F38-87B2-8ECCBE335562}" type="datetimeFigureOut">
               <a:rPr lang="en-US" smtClean="0"/>
-              <a:t>4/4/2024</a:t>
+              <a:t>8/18/2025</a:t>
             </a:fld>
             <a:endParaRPr lang="en-US"/>
           </a:p>
@@ -1951,7 +1956,7 @@
           <a:p>
             <a:fld id="{94EB180C-17CA-4F38-87B2-8ECCBE335562}" type="datetimeFigureOut">
               <a:rPr lang="en-US" smtClean="0"/>
-              <a:t>4/4/2024</a:t>
+              <a:t>8/18/2025</a:t>
             </a:fld>
             <a:endParaRPr lang="en-US"/>
           </a:p>
@@ -2064,7 +2069,7 @@
           <a:p>
             <a:fld id="{94EB180C-17CA-4F38-87B2-8ECCBE335562}" type="datetimeFigureOut">
               <a:rPr lang="en-US" smtClean="0"/>
-              <a:t>4/4/2024</a:t>
+              <a:t>8/18/2025</a:t>
             </a:fld>
             <a:endParaRPr lang="en-US"/>
           </a:p>
@@ -2375,7 +2380,7 @@
           <a:p>
             <a:fld id="{94EB180C-17CA-4F38-87B2-8ECCBE335562}" type="datetimeFigureOut">
               <a:rPr lang="en-US" smtClean="0"/>
-              <a:t>4/4/2024</a:t>
+              <a:t>8/18/2025</a:t>
             </a:fld>
             <a:endParaRPr lang="en-US"/>
           </a:p>
@@ -2663,7 +2668,7 @@
           <a:p>
             <a:fld id="{94EB180C-17CA-4F38-87B2-8ECCBE335562}" type="datetimeFigureOut">
               <a:rPr lang="en-US" smtClean="0"/>
-              <a:t>4/4/2024</a:t>
+              <a:t>8/18/2025</a:t>
             </a:fld>
             <a:endParaRPr lang="en-US"/>
           </a:p>
@@ -2904,7 +2909,7 @@
           <a:p>
             <a:fld id="{94EB180C-17CA-4F38-87B2-8ECCBE335562}" type="datetimeFigureOut">
               <a:rPr lang="en-US" smtClean="0"/>
-              <a:t>4/4/2024</a:t>
+              <a:t>8/18/2025</a:t>
             </a:fld>
             <a:endParaRPr lang="en-US"/>
           </a:p>
@@ -3321,12 +3326,84 @@
           <a:chExt cx="0" cy="0"/>
         </a:xfrm>
       </p:grpSpPr>
+      <p:pic>
+        <p:nvPicPr>
+          <p:cNvPr id="4" name="Picture 3" descr="A diagram of a variety of storage&#10;&#10;AI-generated content may be incorrect.">
+            <a:extLst>
+              <a:ext uri="{FF2B5EF4-FFF2-40B4-BE49-F238E27FC236}">
+                <a16:creationId xmlns:a16="http://schemas.microsoft.com/office/drawing/2014/main" id="{0AA88305-87AD-11DE-FBF3-B49C12F92475}"/>
+              </a:ext>
+            </a:extLst>
+          </p:cNvPr>
+          <p:cNvPicPr>
+            <a:picLocks noChangeAspect="1"/>
+          </p:cNvPicPr>
+          <p:nvPr/>
+        </p:nvPicPr>
+        <p:blipFill>
+          <a:blip r:embed="rId2">
+            <a:extLst>
+              <a:ext uri="{28A0092B-C50C-407E-A947-70E740481C1C}">
+                <a14:useLocalDpi xmlns:a14="http://schemas.microsoft.com/office/drawing/2010/main" val="0"/>
+              </a:ext>
+            </a:extLst>
+          </a:blip>
+          <a:stretch>
+            <a:fillRect/>
+          </a:stretch>
+        </p:blipFill>
+        <p:spPr>
+          <a:xfrm>
+            <a:off x="225205" y="415259"/>
+            <a:ext cx="5909070" cy="5909070"/>
+          </a:xfrm>
+          <a:prstGeom prst="rect">
+            <a:avLst/>
+          </a:prstGeom>
+        </p:spPr>
+      </p:pic>
+      <p:pic>
+        <p:nvPicPr>
+          <p:cNvPr id="7" name="Picture 6" descr="A diagram of a variety of storage&#10;&#10;AI-generated content may be incorrect.">
+            <a:extLst>
+              <a:ext uri="{FF2B5EF4-FFF2-40B4-BE49-F238E27FC236}">
+                <a16:creationId xmlns:a16="http://schemas.microsoft.com/office/drawing/2014/main" id="{08FD201B-B071-2CD4-6AA9-355EBBE3AE6D}"/>
+              </a:ext>
+            </a:extLst>
+          </p:cNvPr>
+          <p:cNvPicPr>
+            <a:picLocks noChangeAspect="1"/>
+          </p:cNvPicPr>
+          <p:nvPr/>
+        </p:nvPicPr>
+        <p:blipFill>
+          <a:blip r:embed="rId3">
+            <a:extLst>
+              <a:ext uri="{28A0092B-C50C-407E-A947-70E740481C1C}">
+                <a14:useLocalDpi xmlns:a14="http://schemas.microsoft.com/office/drawing/2010/main" val="0"/>
+              </a:ext>
+            </a:extLst>
+          </a:blip>
+          <a:stretch>
+            <a:fillRect/>
+          </a:stretch>
+        </p:blipFill>
+        <p:spPr>
+          <a:xfrm>
+            <a:off x="6096000" y="474465"/>
+            <a:ext cx="5909070" cy="5909070"/>
+          </a:xfrm>
+          <a:prstGeom prst="rect">
+            <a:avLst/>
+          </a:prstGeom>
+        </p:spPr>
+      </p:pic>
       <p:grpSp>
         <p:nvGrpSpPr>
-          <p:cNvPr id="8" name="Group 7">
-            <a:extLst>
-              <a:ext uri="{FF2B5EF4-FFF2-40B4-BE49-F238E27FC236}">
-                <a16:creationId xmlns:a16="http://schemas.microsoft.com/office/drawing/2014/main" id="{0B8BE61A-BABF-629F-0066-BA900C55F412}"/>
+          <p:cNvPr id="11" name="Group 10">
+            <a:extLst>
+              <a:ext uri="{FF2B5EF4-FFF2-40B4-BE49-F238E27FC236}">
+                <a16:creationId xmlns:a16="http://schemas.microsoft.com/office/drawing/2014/main" id="{05E0EE39-42A8-B6F8-D711-39A3976D3BDC}"/>
               </a:ext>
             </a:extLst>
           </p:cNvPr>
@@ -3335,18 +3412,18 @@
         </p:nvGrpSpPr>
         <p:grpSpPr>
           <a:xfrm>
-            <a:off x="954495" y="815235"/>
-            <a:ext cx="10283009" cy="5227530"/>
-            <a:chOff x="206535" y="228592"/>
-            <a:chExt cx="12590961" cy="6400814"/>
+            <a:off x="186930" y="395524"/>
+            <a:ext cx="11779865" cy="5968276"/>
+            <a:chOff x="186930" y="395524"/>
+            <a:chExt cx="11779865" cy="5968276"/>
           </a:xfrm>
         </p:grpSpPr>
         <p:pic>
           <p:nvPicPr>
-            <p:cNvPr id="5" name="Picture 4" descr="A diagram of a variety of storage&#10;&#10;Description automatically generated with medium confidence">
+            <p:cNvPr id="8" name="Picture 7" descr="A diagram of a variety of storage&#10;&#10;AI-generated content may be incorrect.">
               <a:extLst>
                 <a:ext uri="{FF2B5EF4-FFF2-40B4-BE49-F238E27FC236}">
-                  <a16:creationId xmlns:a16="http://schemas.microsoft.com/office/drawing/2014/main" id="{4145A27A-99FF-BEC5-8DF3-9C9D2065BDB1}"/>
+                  <a16:creationId xmlns:a16="http://schemas.microsoft.com/office/drawing/2014/main" id="{0EC00BD1-27AF-D6DF-C463-E1C196C29A24}"/>
                 </a:ext>
               </a:extLst>
             </p:cNvPr>
@@ -3369,8 +3446,8 @@
           </p:blipFill>
           <p:spPr>
             <a:xfrm>
-              <a:off x="206535" y="228593"/>
-              <a:ext cx="6400813" cy="6400813"/>
+              <a:off x="186930" y="395524"/>
+              <a:ext cx="5909070" cy="5909070"/>
             </a:xfrm>
             <a:prstGeom prst="rect">
               <a:avLst/>
@@ -3379,10 +3456,10 @@
         </p:pic>
         <p:pic>
           <p:nvPicPr>
-            <p:cNvPr id="7" name="Picture 6" descr="A diagram of a variety of storage&#10;&#10;Description automatically generated with medium confidence">
+            <p:cNvPr id="10" name="Picture 9" descr="A diagram of a variety of storage&#10;&#10;AI-generated content may be incorrect.">
               <a:extLst>
                 <a:ext uri="{FF2B5EF4-FFF2-40B4-BE49-F238E27FC236}">
-                  <a16:creationId xmlns:a16="http://schemas.microsoft.com/office/drawing/2014/main" id="{7FD3AC85-3D5F-9E7C-4367-929BBE1B6699}"/>
+                  <a16:creationId xmlns:a16="http://schemas.microsoft.com/office/drawing/2014/main" id="{EE24B59F-DE5E-4B40-A4BF-BB97AE5962EB}"/>
                 </a:ext>
               </a:extLst>
             </p:cNvPr>
@@ -3405,8 +3482,8 @@
           </p:blipFill>
           <p:spPr>
             <a:xfrm>
-              <a:off x="6396683" y="228592"/>
-              <a:ext cx="6400813" cy="6400813"/>
+              <a:off x="6057725" y="454730"/>
+              <a:ext cx="5909070" cy="5909070"/>
             </a:xfrm>
             <a:prstGeom prst="rect">
               <a:avLst/>
